--- a/PRESENTATIONS/2020-10-online-f2f/2020-10-05-WoT-F2F-Opening-McCool.pptx
+++ b/PRESENTATIONS/2020-10-online-f2f/2020-10-05-WoT-F2F-Opening-McCool.pptx
@@ -4563,8 +4563,13 @@
           <a:p>
             <a:r>
               <a:rPr lang="en-US" dirty="0"/>
-              <a:t>Presentations</a:t>
-            </a:r>
+              <a:t>Presentations: please upload as soon </a:t>
+            </a:r>
+            <a:r>
+              <a:rPr lang="en-US"/>
+              <a:t>as possible to</a:t>
+            </a:r>
+            <a:endParaRPr lang="en-US" dirty="0"/>
           </a:p>
           <a:p>
             <a:pPr lvl="1"/>
@@ -4572,19 +4577,7 @@
               <a:rPr lang="en-US" dirty="0">
                 <a:hlinkClick r:id="rId6"/>
               </a:rPr>
-              <a:t>https://</a:t>
-            </a:r>
-            <a:r>
-              <a:rPr lang="en-US" dirty="0" err="1">
-                <a:hlinkClick r:id="rId6"/>
-              </a:rPr>
-              <a:t>github.com</a:t>
-            </a:r>
-            <a:r>
-              <a:rPr lang="en-US" dirty="0">
-                <a:hlinkClick r:id="rId6"/>
-              </a:rPr>
-              <a:t>/w3c/wot/tree/master/PRESENTATIONS</a:t>
+              <a:t>https://github.com/w3c/wot/tree/master/PRESENTATIONS/2020-10-online-f2f</a:t>
             </a:r>
             <a:endParaRPr lang="en-US" dirty="0"/>
           </a:p>
